--- a/grp15.pptx
+++ b/grp15.pptx
@@ -7,8 +7,8 @@
   <p:sldIdLst>
     <p:sldId id="256" r:id="rId2"/>
     <p:sldId id="257" r:id="rId3"/>
-    <p:sldId id="258" r:id="rId4"/>
-    <p:sldId id="259" r:id="rId5"/>
+    <p:sldId id="259" r:id="rId4"/>
+    <p:sldId id="258" r:id="rId5"/>
     <p:sldId id="260" r:id="rId6"/>
   </p:sldIdLst>
   <p:sldSz cx="12192000" cy="6858000"/>
@@ -265,7 +265,7 @@
           <a:p>
             <a:fld id="{DA5F65CD-5839-4D8A-95C2-135F958D91D4}" type="datetimeFigureOut">
               <a:rPr lang="en-SG" smtClean="0"/>
-              <a:t>31/8/2024</a:t>
+              <a:t>3/9/2024</a:t>
             </a:fld>
             <a:endParaRPr lang="en-SG"/>
           </a:p>
@@ -465,7 +465,7 @@
           <a:p>
             <a:fld id="{DA5F65CD-5839-4D8A-95C2-135F958D91D4}" type="datetimeFigureOut">
               <a:rPr lang="en-SG" smtClean="0"/>
-              <a:t>31/8/2024</a:t>
+              <a:t>3/9/2024</a:t>
             </a:fld>
             <a:endParaRPr lang="en-SG"/>
           </a:p>
@@ -675,7 +675,7 @@
           <a:p>
             <a:fld id="{DA5F65CD-5839-4D8A-95C2-135F958D91D4}" type="datetimeFigureOut">
               <a:rPr lang="en-SG" smtClean="0"/>
-              <a:t>31/8/2024</a:t>
+              <a:t>3/9/2024</a:t>
             </a:fld>
             <a:endParaRPr lang="en-SG"/>
           </a:p>
@@ -875,7 +875,7 @@
           <a:p>
             <a:fld id="{DA5F65CD-5839-4D8A-95C2-135F958D91D4}" type="datetimeFigureOut">
               <a:rPr lang="en-SG" smtClean="0"/>
-              <a:t>31/8/2024</a:t>
+              <a:t>3/9/2024</a:t>
             </a:fld>
             <a:endParaRPr lang="en-SG"/>
           </a:p>
@@ -1151,7 +1151,7 @@
           <a:p>
             <a:fld id="{DA5F65CD-5839-4D8A-95C2-135F958D91D4}" type="datetimeFigureOut">
               <a:rPr lang="en-SG" smtClean="0"/>
-              <a:t>31/8/2024</a:t>
+              <a:t>3/9/2024</a:t>
             </a:fld>
             <a:endParaRPr lang="en-SG"/>
           </a:p>
@@ -1419,7 +1419,7 @@
           <a:p>
             <a:fld id="{DA5F65CD-5839-4D8A-95C2-135F958D91D4}" type="datetimeFigureOut">
               <a:rPr lang="en-SG" smtClean="0"/>
-              <a:t>31/8/2024</a:t>
+              <a:t>3/9/2024</a:t>
             </a:fld>
             <a:endParaRPr lang="en-SG"/>
           </a:p>
@@ -1834,7 +1834,7 @@
           <a:p>
             <a:fld id="{DA5F65CD-5839-4D8A-95C2-135F958D91D4}" type="datetimeFigureOut">
               <a:rPr lang="en-SG" smtClean="0"/>
-              <a:t>31/8/2024</a:t>
+              <a:t>3/9/2024</a:t>
             </a:fld>
             <a:endParaRPr lang="en-SG"/>
           </a:p>
@@ -1976,7 +1976,7 @@
           <a:p>
             <a:fld id="{DA5F65CD-5839-4D8A-95C2-135F958D91D4}" type="datetimeFigureOut">
               <a:rPr lang="en-SG" smtClean="0"/>
-              <a:t>31/8/2024</a:t>
+              <a:t>3/9/2024</a:t>
             </a:fld>
             <a:endParaRPr lang="en-SG"/>
           </a:p>
@@ -2089,7 +2089,7 @@
           <a:p>
             <a:fld id="{DA5F65CD-5839-4D8A-95C2-135F958D91D4}" type="datetimeFigureOut">
               <a:rPr lang="en-SG" smtClean="0"/>
-              <a:t>31/8/2024</a:t>
+              <a:t>3/9/2024</a:t>
             </a:fld>
             <a:endParaRPr lang="en-SG"/>
           </a:p>
@@ -2402,7 +2402,7 @@
           <a:p>
             <a:fld id="{DA5F65CD-5839-4D8A-95C2-135F958D91D4}" type="datetimeFigureOut">
               <a:rPr lang="en-SG" smtClean="0"/>
-              <a:t>31/8/2024</a:t>
+              <a:t>3/9/2024</a:t>
             </a:fld>
             <a:endParaRPr lang="en-SG"/>
           </a:p>
@@ -2691,7 +2691,7 @@
           <a:p>
             <a:fld id="{DA5F65CD-5839-4D8A-95C2-135F958D91D4}" type="datetimeFigureOut">
               <a:rPr lang="en-SG" smtClean="0"/>
-              <a:t>31/8/2024</a:t>
+              <a:t>3/9/2024</a:t>
             </a:fld>
             <a:endParaRPr lang="en-SG"/>
           </a:p>
@@ -2934,7 +2934,7 @@
           <a:p>
             <a:fld id="{DA5F65CD-5839-4D8A-95C2-135F958D91D4}" type="datetimeFigureOut">
               <a:rPr lang="en-SG" smtClean="0"/>
-              <a:t>31/8/2024</a:t>
+              <a:t>3/9/2024</a:t>
             </a:fld>
             <a:endParaRPr lang="en-SG"/>
           </a:p>
@@ -3688,7 +3688,10 @@
           <a:bodyPr/>
           <a:lstStyle/>
           <a:p>
-            <a:endParaRPr lang="en-SG"/>
+            <a:r>
+              <a:rPr lang="en-SG"/>
+              <a:t>Target audience </a:t>
+            </a:r>
           </a:p>
         </p:txBody>
       </p:sp>
@@ -3720,7 +3723,7 @@
     </p:spTree>
     <p:extLst>
       <p:ext uri="{BB962C8B-B14F-4D97-AF65-F5344CB8AC3E}">
-        <p14:creationId xmlns:p14="http://schemas.microsoft.com/office/powerpoint/2010/main" val="2652160722"/>
+        <p14:creationId xmlns:p14="http://schemas.microsoft.com/office/powerpoint/2010/main" val="2717174484"/>
       </p:ext>
     </p:extLst>
   </p:cSld>
@@ -3768,7 +3771,10 @@
           <a:bodyPr/>
           <a:lstStyle/>
           <a:p>
-            <a:endParaRPr lang="en-SG"/>
+            <a:r>
+              <a:rPr lang="en-SG" dirty="0"/>
+              <a:t>Our propose solution </a:t>
+            </a:r>
           </a:p>
         </p:txBody>
       </p:sp>
@@ -3793,14 +3799,43 @@
           <a:bodyPr/>
           <a:lstStyle/>
           <a:p>
-            <a:endParaRPr lang="en-SG"/>
+            <a:r>
+              <a:rPr lang="en-SG" dirty="0"/>
+              <a:t>A website that all elderly can communicate with one another</a:t>
+            </a:r>
+          </a:p>
+          <a:p>
+            <a:endParaRPr lang="en-SG" dirty="0"/>
+          </a:p>
+          <a:p>
+            <a:r>
+              <a:rPr lang="en-SG" dirty="0"/>
+              <a:t>Has game to compete and quizzes to safeguard themself from threats like scams </a:t>
+            </a:r>
+          </a:p>
+          <a:p>
+            <a:endParaRPr lang="en-SG" dirty="0"/>
+          </a:p>
+          <a:p>
+            <a:r>
+              <a:rPr lang="en-SG" dirty="0"/>
+              <a:t>Real time notification for elderly to know </a:t>
+            </a:r>
+            <a:r>
+              <a:rPr lang="en-SG" dirty="0" err="1"/>
+              <a:t>whats</a:t>
+            </a:r>
+            <a:r>
+              <a:rPr lang="en-SG" dirty="0"/>
+              <a:t> happen from trusted sources</a:t>
+            </a:r>
           </a:p>
         </p:txBody>
       </p:sp>
     </p:spTree>
     <p:extLst>
       <p:ext uri="{BB962C8B-B14F-4D97-AF65-F5344CB8AC3E}">
-        <p14:creationId xmlns:p14="http://schemas.microsoft.com/office/powerpoint/2010/main" val="2717174484"/>
+        <p14:creationId xmlns:p14="http://schemas.microsoft.com/office/powerpoint/2010/main" val="2652160722"/>
       </p:ext>
     </p:extLst>
   </p:cSld>
